--- a/DATA STRUCTURES   AND ALGORITHM.pptx
+++ b/DATA STRUCTURES   AND ALGORITHM.pptx
@@ -118,7 +118,7 @@
   </p:defaultTextStyle>
   <p:extLst>
     <p:ext uri="{EFAFB233-063F-42B5-8137-9DF3F51BA10A}">
-      <p15:sldGuideLst xmlns:p15="http://schemas.microsoft.com/office/powerpoint/2012/main"/>
+      <p15:sldGuideLst xmlns:p15="http://schemas.microsoft.com/office/powerpoint/2012/main" xmlns=""/>
     </p:ext>
   </p:extLst>
 </p:presentation>
@@ -310,7 +310,8 @@
           <a:p>
             <a:fld id="{4AAD347D-5ACD-4C99-B74B-A9C85AD731AF}" type="datetimeFigureOut">
               <a:rPr lang="en-US" smtClean="0"/>
-              <a:t>4/17/2020</a:t>
+              <a:pPr/>
+              <a:t>4/19/2020</a:t>
             </a:fld>
             <a:endParaRPr lang="en-US" dirty="0"/>
           </a:p>
@@ -352,6 +353,7 @@
           <a:p>
             <a:fld id="{D57F1E4F-1CFF-5643-939E-02111984F565}" type="slidenum">
               <a:rPr lang="en-US" smtClean="0"/>
+              <a:pPr/>
               <a:t>‹#›</a:t>
             </a:fld>
             <a:endParaRPr lang="en-US" dirty="0"/>
@@ -361,7 +363,7 @@
     </p:spTree>
     <p:extLst>
       <p:ext uri="{BB962C8B-B14F-4D97-AF65-F5344CB8AC3E}">
-        <p14:creationId xmlns:p14="http://schemas.microsoft.com/office/powerpoint/2010/main" val="1904777452"/>
+        <p14:creationId xmlns:p14="http://schemas.microsoft.com/office/powerpoint/2010/main" xmlns="" val="1904777452"/>
       </p:ext>
     </p:extLst>
   </p:cSld>
@@ -585,7 +587,8 @@
           <a:p>
             <a:fld id="{4509A250-FF31-4206-8172-F9D3106AACB1}" type="datetimeFigureOut">
               <a:rPr lang="en-US" smtClean="0"/>
-              <a:t>4/17/2020</a:t>
+              <a:pPr/>
+              <a:t>4/19/2020</a:t>
             </a:fld>
             <a:endParaRPr lang="en-US" dirty="0"/>
           </a:p>
@@ -627,6 +630,7 @@
           <a:p>
             <a:fld id="{D57F1E4F-1CFF-5643-939E-02111984F565}" type="slidenum">
               <a:rPr lang="en-US" smtClean="0"/>
+              <a:pPr/>
               <a:t>‹#›</a:t>
             </a:fld>
             <a:endParaRPr lang="en-US" dirty="0"/>
@@ -636,7 +640,7 @@
     </p:spTree>
     <p:extLst>
       <p:ext uri="{BB962C8B-B14F-4D97-AF65-F5344CB8AC3E}">
-        <p14:creationId xmlns:p14="http://schemas.microsoft.com/office/powerpoint/2010/main" val="2663728913"/>
+        <p14:creationId xmlns:p14="http://schemas.microsoft.com/office/powerpoint/2010/main" xmlns="" val="2663728913"/>
       </p:ext>
     </p:extLst>
   </p:cSld>
@@ -779,7 +783,8 @@
           <a:p>
             <a:fld id="{4509A250-FF31-4206-8172-F9D3106AACB1}" type="datetimeFigureOut">
               <a:rPr lang="en-US" smtClean="0"/>
-              <a:t>4/17/2020</a:t>
+              <a:pPr/>
+              <a:t>4/19/2020</a:t>
             </a:fld>
             <a:endParaRPr lang="en-US" dirty="0"/>
           </a:p>
@@ -821,6 +826,7 @@
           <a:p>
             <a:fld id="{D57F1E4F-1CFF-5643-939E-02111984F565}" type="slidenum">
               <a:rPr lang="en-US" smtClean="0"/>
+              <a:pPr/>
               <a:t>‹#›</a:t>
             </a:fld>
             <a:endParaRPr lang="en-US" dirty="0"/>
@@ -830,7 +836,7 @@
     </p:spTree>
     <p:extLst>
       <p:ext uri="{BB962C8B-B14F-4D97-AF65-F5344CB8AC3E}">
-        <p14:creationId xmlns:p14="http://schemas.microsoft.com/office/powerpoint/2010/main" val="2294461336"/>
+        <p14:creationId xmlns:p14="http://schemas.microsoft.com/office/powerpoint/2010/main" xmlns="" val="2294461336"/>
       </p:ext>
     </p:extLst>
   </p:cSld>
@@ -1050,7 +1056,8 @@
           <a:p>
             <a:fld id="{4509A250-FF31-4206-8172-F9D3106AACB1}" type="datetimeFigureOut">
               <a:rPr lang="en-US" smtClean="0"/>
-              <a:t>4/17/2020</a:t>
+              <a:pPr/>
+              <a:t>4/19/2020</a:t>
             </a:fld>
             <a:endParaRPr lang="en-US" dirty="0"/>
           </a:p>
@@ -1092,6 +1099,7 @@
           <a:p>
             <a:fld id="{D57F1E4F-1CFF-5643-939E-02111984F565}" type="slidenum">
               <a:rPr lang="en-US" smtClean="0"/>
+              <a:pPr/>
               <a:t>‹#›</a:t>
             </a:fld>
             <a:endParaRPr lang="en-US" dirty="0"/>
@@ -1181,7 +1189,7 @@
     </p:spTree>
     <p:extLst>
       <p:ext uri="{BB962C8B-B14F-4D97-AF65-F5344CB8AC3E}">
-        <p14:creationId xmlns:p14="http://schemas.microsoft.com/office/powerpoint/2010/main" val="3560597815"/>
+        <p14:creationId xmlns:p14="http://schemas.microsoft.com/office/powerpoint/2010/main" xmlns="" val="3560597815"/>
       </p:ext>
     </p:extLst>
   </p:cSld>
@@ -1377,7 +1385,8 @@
           <a:p>
             <a:fld id="{4509A250-FF31-4206-8172-F9D3106AACB1}" type="datetimeFigureOut">
               <a:rPr lang="en-US" smtClean="0"/>
-              <a:t>4/17/2020</a:t>
+              <a:pPr/>
+              <a:t>4/19/2020</a:t>
             </a:fld>
             <a:endParaRPr lang="en-US" dirty="0"/>
           </a:p>
@@ -1419,6 +1428,7 @@
           <a:p>
             <a:fld id="{D57F1E4F-1CFF-5643-939E-02111984F565}" type="slidenum">
               <a:rPr lang="en-US" smtClean="0"/>
+              <a:pPr/>
               <a:t>‹#›</a:t>
             </a:fld>
             <a:endParaRPr lang="en-US" dirty="0"/>
@@ -1428,7 +1438,7 @@
     </p:spTree>
     <p:extLst>
       <p:ext uri="{BB962C8B-B14F-4D97-AF65-F5344CB8AC3E}">
-        <p14:creationId xmlns:p14="http://schemas.microsoft.com/office/powerpoint/2010/main" val="1890046358"/>
+        <p14:creationId xmlns:p14="http://schemas.microsoft.com/office/powerpoint/2010/main" xmlns="" val="1890046358"/>
       </p:ext>
     </p:extLst>
   </p:cSld>
@@ -1996,7 +2006,8 @@
           <a:p>
             <a:fld id="{4509A250-FF31-4206-8172-F9D3106AACB1}" type="datetimeFigureOut">
               <a:rPr lang="en-US" smtClean="0"/>
-              <a:t>4/17/2020</a:t>
+              <a:pPr/>
+              <a:t>4/19/2020</a:t>
             </a:fld>
             <a:endParaRPr lang="en-US" dirty="0"/>
           </a:p>
@@ -2038,6 +2049,7 @@
           <a:p>
             <a:fld id="{D57F1E4F-1CFF-5643-939E-02111984F565}" type="slidenum">
               <a:rPr lang="en-US" smtClean="0"/>
+              <a:pPr/>
               <a:t>‹#›</a:t>
             </a:fld>
             <a:endParaRPr lang="en-US" dirty="0"/>
@@ -2047,7 +2059,7 @@
     </p:spTree>
     <p:extLst>
       <p:ext uri="{BB962C8B-B14F-4D97-AF65-F5344CB8AC3E}">
-        <p14:creationId xmlns:p14="http://schemas.microsoft.com/office/powerpoint/2010/main" val="3250367946"/>
+        <p14:creationId xmlns:p14="http://schemas.microsoft.com/office/powerpoint/2010/main" xmlns="" val="3250367946"/>
       </p:ext>
     </p:extLst>
   </p:cSld>
@@ -2843,7 +2855,8 @@
           <a:p>
             <a:fld id="{4509A250-FF31-4206-8172-F9D3106AACB1}" type="datetimeFigureOut">
               <a:rPr lang="en-US" smtClean="0"/>
-              <a:t>4/17/2020</a:t>
+              <a:pPr/>
+              <a:t>4/19/2020</a:t>
             </a:fld>
             <a:endParaRPr lang="en-US" dirty="0"/>
           </a:p>
@@ -2885,6 +2898,7 @@
           <a:p>
             <a:fld id="{D57F1E4F-1CFF-5643-939E-02111984F565}" type="slidenum">
               <a:rPr lang="en-US" smtClean="0"/>
+              <a:pPr/>
               <a:t>‹#›</a:t>
             </a:fld>
             <a:endParaRPr lang="en-US" dirty="0"/>
@@ -2894,7 +2908,7 @@
     </p:spTree>
     <p:extLst>
       <p:ext uri="{BB962C8B-B14F-4D97-AF65-F5344CB8AC3E}">
-        <p14:creationId xmlns:p14="http://schemas.microsoft.com/office/powerpoint/2010/main" val="12028680"/>
+        <p14:creationId xmlns:p14="http://schemas.microsoft.com/office/powerpoint/2010/main" xmlns="" val="12028680"/>
       </p:ext>
     </p:extLst>
   </p:cSld>
@@ -3013,7 +3027,8 @@
           <a:p>
             <a:fld id="{4509A250-FF31-4206-8172-F9D3106AACB1}" type="datetimeFigureOut">
               <a:rPr lang="en-US" smtClean="0"/>
-              <a:t>4/17/2020</a:t>
+              <a:pPr/>
+              <a:t>4/19/2020</a:t>
             </a:fld>
             <a:endParaRPr lang="en-US" dirty="0"/>
           </a:p>
@@ -3055,6 +3070,7 @@
           <a:p>
             <a:fld id="{D57F1E4F-1CFF-5643-939E-02111984F565}" type="slidenum">
               <a:rPr lang="en-US" smtClean="0"/>
+              <a:pPr/>
               <a:t>‹#›</a:t>
             </a:fld>
             <a:endParaRPr lang="en-US" dirty="0"/>
@@ -3064,7 +3080,7 @@
     </p:spTree>
     <p:extLst>
       <p:ext uri="{BB962C8B-B14F-4D97-AF65-F5344CB8AC3E}">
-        <p14:creationId xmlns:p14="http://schemas.microsoft.com/office/powerpoint/2010/main" val="1467193737"/>
+        <p14:creationId xmlns:p14="http://schemas.microsoft.com/office/powerpoint/2010/main" xmlns="" val="1467193737"/>
       </p:ext>
     </p:extLst>
   </p:cSld>
@@ -3193,7 +3209,8 @@
           <a:p>
             <a:fld id="{4509A250-FF31-4206-8172-F9D3106AACB1}" type="datetimeFigureOut">
               <a:rPr lang="en-US" smtClean="0"/>
-              <a:t>4/17/2020</a:t>
+              <a:pPr/>
+              <a:t>4/19/2020</a:t>
             </a:fld>
             <a:endParaRPr lang="en-US" dirty="0"/>
           </a:p>
@@ -3235,6 +3252,7 @@
           <a:p>
             <a:fld id="{D57F1E4F-1CFF-5643-939E-02111984F565}" type="slidenum">
               <a:rPr lang="en-US" smtClean="0"/>
+              <a:pPr/>
               <a:t>‹#›</a:t>
             </a:fld>
             <a:endParaRPr lang="en-US" dirty="0"/>
@@ -3244,7 +3262,7 @@
     </p:spTree>
     <p:extLst>
       <p:ext uri="{BB962C8B-B14F-4D97-AF65-F5344CB8AC3E}">
-        <p14:creationId xmlns:p14="http://schemas.microsoft.com/office/powerpoint/2010/main" val="3909345079"/>
+        <p14:creationId xmlns:p14="http://schemas.microsoft.com/office/powerpoint/2010/main" xmlns="" val="3909345079"/>
       </p:ext>
     </p:extLst>
   </p:cSld>
@@ -3363,7 +3381,8 @@
           <a:p>
             <a:fld id="{4509A250-FF31-4206-8172-F9D3106AACB1}" type="datetimeFigureOut">
               <a:rPr lang="en-US" smtClean="0"/>
-              <a:t>4/17/2020</a:t>
+              <a:pPr/>
+              <a:t>4/19/2020</a:t>
             </a:fld>
             <a:endParaRPr lang="en-US" dirty="0"/>
           </a:p>
@@ -3405,6 +3424,7 @@
           <a:p>
             <a:fld id="{D57F1E4F-1CFF-5643-939E-02111984F565}" type="slidenum">
               <a:rPr lang="en-US" smtClean="0"/>
+              <a:pPr/>
               <a:t>‹#›</a:t>
             </a:fld>
             <a:endParaRPr lang="en-US" dirty="0"/>
@@ -3414,7 +3434,7 @@
     </p:spTree>
     <p:extLst>
       <p:ext uri="{BB962C8B-B14F-4D97-AF65-F5344CB8AC3E}">
-        <p14:creationId xmlns:p14="http://schemas.microsoft.com/office/powerpoint/2010/main" val="2568963280"/>
+        <p14:creationId xmlns:p14="http://schemas.microsoft.com/office/powerpoint/2010/main" xmlns="" val="2568963280"/>
       </p:ext>
     </p:extLst>
   </p:cSld>
@@ -3610,7 +3630,8 @@
           <a:p>
             <a:fld id="{4509A250-FF31-4206-8172-F9D3106AACB1}" type="datetimeFigureOut">
               <a:rPr lang="en-US" smtClean="0"/>
-              <a:t>4/17/2020</a:t>
+              <a:pPr/>
+              <a:t>4/19/2020</a:t>
             </a:fld>
             <a:endParaRPr lang="en-US" dirty="0"/>
           </a:p>
@@ -3652,6 +3673,7 @@
           <a:p>
             <a:fld id="{D57F1E4F-1CFF-5643-939E-02111984F565}" type="slidenum">
               <a:rPr lang="en-US" smtClean="0"/>
+              <a:pPr/>
               <a:t>‹#›</a:t>
             </a:fld>
             <a:endParaRPr lang="en-US" dirty="0"/>
@@ -3661,7 +3683,7 @@
     </p:spTree>
     <p:extLst>
       <p:ext uri="{BB962C8B-B14F-4D97-AF65-F5344CB8AC3E}">
-        <p14:creationId xmlns:p14="http://schemas.microsoft.com/office/powerpoint/2010/main" val="3777135107"/>
+        <p14:creationId xmlns:p14="http://schemas.microsoft.com/office/powerpoint/2010/main" xmlns="" val="3777135107"/>
       </p:ext>
     </p:extLst>
   </p:cSld>
@@ -3902,7 +3924,8 @@
           <a:p>
             <a:fld id="{4509A250-FF31-4206-8172-F9D3106AACB1}" type="datetimeFigureOut">
               <a:rPr lang="en-US" smtClean="0"/>
-              <a:t>4/17/2020</a:t>
+              <a:pPr/>
+              <a:t>4/19/2020</a:t>
             </a:fld>
             <a:endParaRPr lang="en-US" dirty="0"/>
           </a:p>
@@ -3944,6 +3967,7 @@
           <a:p>
             <a:fld id="{D57F1E4F-1CFF-5643-939E-02111984F565}" type="slidenum">
               <a:rPr lang="en-US" smtClean="0"/>
+              <a:pPr/>
               <a:t>‹#›</a:t>
             </a:fld>
             <a:endParaRPr lang="en-US" dirty="0"/>
@@ -3953,7 +3977,7 @@
     </p:spTree>
     <p:extLst>
       <p:ext uri="{BB962C8B-B14F-4D97-AF65-F5344CB8AC3E}">
-        <p14:creationId xmlns:p14="http://schemas.microsoft.com/office/powerpoint/2010/main" val="553546777"/>
+        <p14:creationId xmlns:p14="http://schemas.microsoft.com/office/powerpoint/2010/main" xmlns="" val="553546777"/>
       </p:ext>
     </p:extLst>
   </p:cSld>
@@ -4346,7 +4370,8 @@
           <a:p>
             <a:fld id="{4509A250-FF31-4206-8172-F9D3106AACB1}" type="datetimeFigureOut">
               <a:rPr lang="en-US" smtClean="0"/>
-              <a:t>4/17/2020</a:t>
+              <a:pPr/>
+              <a:t>4/19/2020</a:t>
             </a:fld>
             <a:endParaRPr lang="en-US" dirty="0"/>
           </a:p>
@@ -4388,6 +4413,7 @@
           <a:p>
             <a:fld id="{D57F1E4F-1CFF-5643-939E-02111984F565}" type="slidenum">
               <a:rPr lang="en-US" smtClean="0"/>
+              <a:pPr/>
               <a:t>‹#›</a:t>
             </a:fld>
             <a:endParaRPr lang="en-US" dirty="0"/>
@@ -4397,7 +4423,7 @@
     </p:spTree>
     <p:extLst>
       <p:ext uri="{BB962C8B-B14F-4D97-AF65-F5344CB8AC3E}">
-        <p14:creationId xmlns:p14="http://schemas.microsoft.com/office/powerpoint/2010/main" val="1464542757"/>
+        <p14:creationId xmlns:p14="http://schemas.microsoft.com/office/powerpoint/2010/main" xmlns="" val="1464542757"/>
       </p:ext>
     </p:extLst>
   </p:cSld>
@@ -4464,7 +4490,8 @@
           <a:p>
             <a:fld id="{4509A250-FF31-4206-8172-F9D3106AACB1}" type="datetimeFigureOut">
               <a:rPr lang="en-US" smtClean="0"/>
-              <a:t>4/17/2020</a:t>
+              <a:pPr/>
+              <a:t>4/19/2020</a:t>
             </a:fld>
             <a:endParaRPr lang="en-US" dirty="0"/>
           </a:p>
@@ -4506,6 +4533,7 @@
           <a:p>
             <a:fld id="{D57F1E4F-1CFF-5643-939E-02111984F565}" type="slidenum">
               <a:rPr lang="en-US" smtClean="0"/>
+              <a:pPr/>
               <a:t>‹#›</a:t>
             </a:fld>
             <a:endParaRPr lang="en-US" dirty="0"/>
@@ -4515,7 +4543,7 @@
     </p:spTree>
     <p:extLst>
       <p:ext uri="{BB962C8B-B14F-4D97-AF65-F5344CB8AC3E}">
-        <p14:creationId xmlns:p14="http://schemas.microsoft.com/office/powerpoint/2010/main" val="549016473"/>
+        <p14:creationId xmlns:p14="http://schemas.microsoft.com/office/powerpoint/2010/main" xmlns="" val="549016473"/>
       </p:ext>
     </p:extLst>
   </p:cSld>
@@ -4559,7 +4587,8 @@
           <a:p>
             <a:fld id="{4509A250-FF31-4206-8172-F9D3106AACB1}" type="datetimeFigureOut">
               <a:rPr lang="en-US" smtClean="0"/>
-              <a:t>4/17/2020</a:t>
+              <a:pPr/>
+              <a:t>4/19/2020</a:t>
             </a:fld>
             <a:endParaRPr lang="en-US" dirty="0"/>
           </a:p>
@@ -4601,6 +4630,7 @@
           <a:p>
             <a:fld id="{D57F1E4F-1CFF-5643-939E-02111984F565}" type="slidenum">
               <a:rPr lang="en-US" smtClean="0"/>
+              <a:pPr/>
               <a:t>‹#›</a:t>
             </a:fld>
             <a:endParaRPr lang="en-US" dirty="0"/>
@@ -4610,7 +4640,7 @@
     </p:spTree>
     <p:extLst>
       <p:ext uri="{BB962C8B-B14F-4D97-AF65-F5344CB8AC3E}">
-        <p14:creationId xmlns:p14="http://schemas.microsoft.com/office/powerpoint/2010/main" val="3904454727"/>
+        <p14:creationId xmlns:p14="http://schemas.microsoft.com/office/powerpoint/2010/main" xmlns="" val="3904454727"/>
       </p:ext>
     </p:extLst>
   </p:cSld>
@@ -4838,7 +4868,8 @@
           <a:p>
             <a:fld id="{4509A250-FF31-4206-8172-F9D3106AACB1}" type="datetimeFigureOut">
               <a:rPr lang="en-US" smtClean="0"/>
-              <a:t>4/17/2020</a:t>
+              <a:pPr/>
+              <a:t>4/19/2020</a:t>
             </a:fld>
             <a:endParaRPr lang="en-US" dirty="0"/>
           </a:p>
@@ -4880,6 +4911,7 @@
           <a:p>
             <a:fld id="{D57F1E4F-1CFF-5643-939E-02111984F565}" type="slidenum">
               <a:rPr lang="en-US" smtClean="0"/>
+              <a:pPr/>
               <a:t>‹#›</a:t>
             </a:fld>
             <a:endParaRPr lang="en-US" dirty="0"/>
@@ -4889,7 +4921,7 @@
     </p:spTree>
     <p:extLst>
       <p:ext uri="{BB962C8B-B14F-4D97-AF65-F5344CB8AC3E}">
-        <p14:creationId xmlns:p14="http://schemas.microsoft.com/office/powerpoint/2010/main" val="1153252661"/>
+        <p14:creationId xmlns:p14="http://schemas.microsoft.com/office/powerpoint/2010/main" xmlns="" val="1153252661"/>
       </p:ext>
     </p:extLst>
   </p:cSld>
@@ -5113,7 +5145,8 @@
           <a:p>
             <a:fld id="{4509A250-FF31-4206-8172-F9D3106AACB1}" type="datetimeFigureOut">
               <a:rPr lang="en-US" smtClean="0"/>
-              <a:t>4/17/2020</a:t>
+              <a:pPr/>
+              <a:t>4/19/2020</a:t>
             </a:fld>
             <a:endParaRPr lang="en-US" dirty="0"/>
           </a:p>
@@ -5155,6 +5188,7 @@
           <a:p>
             <a:fld id="{D57F1E4F-1CFF-5643-939E-02111984F565}" type="slidenum">
               <a:rPr lang="en-US" smtClean="0"/>
+              <a:pPr/>
               <a:t>‹#›</a:t>
             </a:fld>
             <a:endParaRPr lang="en-US" dirty="0"/>
@@ -5164,7 +5198,7 @@
     </p:spTree>
     <p:extLst>
       <p:ext uri="{BB962C8B-B14F-4D97-AF65-F5344CB8AC3E}">
-        <p14:creationId xmlns:p14="http://schemas.microsoft.com/office/powerpoint/2010/main" val="1924614514"/>
+        <p14:creationId xmlns:p14="http://schemas.microsoft.com/office/powerpoint/2010/main" xmlns="" val="1924614514"/>
       </p:ext>
     </p:extLst>
   </p:cSld>
@@ -5208,7 +5242,7 @@
           <a:blip r:embed="rId19">
             <a:extLst>
               <a:ext uri="{28A0092B-C50C-407E-A947-70E740481C1C}">
-                <a14:useLocalDpi xmlns:a14="http://schemas.microsoft.com/office/drawing/2010/main" val="0"/>
+                <a14:useLocalDpi xmlns:a14="http://schemas.microsoft.com/office/drawing/2010/main" xmlns="" val="0"/>
               </a:ext>
             </a:extLst>
           </a:blip>
@@ -5237,7 +5271,7 @@
           <a:blip r:embed="rId20">
             <a:extLst>
               <a:ext uri="{28A0092B-C50C-407E-A947-70E740481C1C}">
-                <a14:useLocalDpi xmlns:a14="http://schemas.microsoft.com/office/drawing/2010/main" val="0"/>
+                <a14:useLocalDpi xmlns:a14="http://schemas.microsoft.com/office/drawing/2010/main" xmlns="" val="0"/>
               </a:ext>
             </a:extLst>
           </a:blip>
@@ -5323,7 +5357,7 @@
           <a:blip r:embed="rId21">
             <a:extLst>
               <a:ext uri="{28A0092B-C50C-407E-A947-70E740481C1C}">
-                <a14:useLocalDpi xmlns:a14="http://schemas.microsoft.com/office/drawing/2010/main" val="0"/>
+                <a14:useLocalDpi xmlns:a14="http://schemas.microsoft.com/office/drawing/2010/main" xmlns="" val="0"/>
               </a:ext>
             </a:extLst>
           </a:blip>
@@ -5352,7 +5386,7 @@
           <a:blip r:embed="rId22">
             <a:extLst>
               <a:ext uri="{28A0092B-C50C-407E-A947-70E740481C1C}">
-                <a14:useLocalDpi xmlns:a14="http://schemas.microsoft.com/office/drawing/2010/main" val="0"/>
+                <a14:useLocalDpi xmlns:a14="http://schemas.microsoft.com/office/drawing/2010/main" xmlns="" val="0"/>
               </a:ext>
             </a:extLst>
           </a:blip>
@@ -5536,7 +5570,8 @@
           <a:p>
             <a:fld id="{4509A250-FF31-4206-8172-F9D3106AACB1}" type="datetimeFigureOut">
               <a:rPr lang="en-US" smtClean="0"/>
-              <a:t>4/17/2020</a:t>
+              <a:pPr/>
+              <a:t>4/19/2020</a:t>
             </a:fld>
             <a:endParaRPr lang="en-US" dirty="0"/>
           </a:p>
@@ -5615,6 +5650,7 @@
           <a:p>
             <a:fld id="{D57F1E4F-1CFF-5643-939E-02111984F565}" type="slidenum">
               <a:rPr lang="en-US" smtClean="0"/>
+              <a:pPr/>
               <a:t>‹#›</a:t>
             </a:fld>
             <a:endParaRPr lang="en-US" dirty="0"/>
@@ -5624,7 +5660,7 @@
     </p:spTree>
     <p:extLst>
       <p:ext uri="{BB962C8B-B14F-4D97-AF65-F5344CB8AC3E}">
-        <p14:creationId xmlns:p14="http://schemas.microsoft.com/office/powerpoint/2010/main" val="1167683747"/>
+        <p14:creationId xmlns:p14="http://schemas.microsoft.com/office/powerpoint/2010/main" xmlns="" val="1167683747"/>
       </p:ext>
     </p:extLst>
   </p:cSld>
@@ -6070,7 +6106,7 @@
           <p:cNvPr id="2" name="Title 1">
             <a:extLst>
               <a:ext uri="{FF2B5EF4-FFF2-40B4-BE49-F238E27FC236}">
-                <a16:creationId xmlns:a16="http://schemas.microsoft.com/office/drawing/2014/main" id="{CFB1BD52-2DAC-4D88-914C-41985217A13C}"/>
+                <a16:creationId xmlns:a16="http://schemas.microsoft.com/office/drawing/2014/main" xmlns="" id="{CFB1BD52-2DAC-4D88-914C-41985217A13C}"/>
               </a:ext>
             </a:extLst>
           </p:cNvPr>
@@ -6136,7 +6172,7 @@
           <p:cNvPr id="3" name="Subtitle 2">
             <a:extLst>
               <a:ext uri="{FF2B5EF4-FFF2-40B4-BE49-F238E27FC236}">
-                <a16:creationId xmlns:a16="http://schemas.microsoft.com/office/drawing/2014/main" id="{5F8051C7-1E10-447B-8112-0BD461E02464}"/>
+                <a16:creationId xmlns:a16="http://schemas.microsoft.com/office/drawing/2014/main" xmlns="" id="{5F8051C7-1E10-447B-8112-0BD461E02464}"/>
               </a:ext>
             </a:extLst>
           </p:cNvPr>
@@ -6161,16 +6197,33 @@
           <a:p>
             <a:r>
               <a:rPr lang="en-IN" b="1" u="sng" dirty="0"/>
-              <a:t>SUBMITTED TO:	</a:t>
+              <a:t>SUBMITTED </a:t>
+            </a:r>
+            <a:r>
+              <a:rPr lang="en-IN" b="1" u="sng" dirty="0" smtClean="0"/>
+              <a:t>from</a:t>
+            </a:r>
+            <a:r>
+              <a:rPr lang="en-IN" b="1" u="sng" dirty="0" smtClean="0"/>
+              <a:t>:</a:t>
             </a:r>
             <a:r>
               <a:rPr lang="en-IN" b="1" dirty="0"/>
               <a:t>									</a:t>
             </a:r>
             <a:r>
-              <a:rPr lang="en-IN" b="1" u="sng" dirty="0"/>
-              <a:t>submitted from:- </a:t>
-            </a:r>
+              <a:rPr lang="en-IN" b="1" u="sng"/>
+              <a:t>submitted </a:t>
+            </a:r>
+            <a:r>
+              <a:rPr lang="en-IN" b="1" u="sng" smtClean="0"/>
+              <a:t>to</a:t>
+            </a:r>
+            <a:r>
+              <a:rPr lang="en-IN" b="1" u="sng" smtClean="0"/>
+              <a:t>:- </a:t>
+            </a:r>
+            <a:endParaRPr lang="en-IN" b="1" u="sng" dirty="0"/>
           </a:p>
           <a:p>
             <a:r>
@@ -6212,7 +6265,7 @@
           <p:cNvPr id="5" name="Rectangle 4">
             <a:extLst>
               <a:ext uri="{FF2B5EF4-FFF2-40B4-BE49-F238E27FC236}">
-                <a16:creationId xmlns:a16="http://schemas.microsoft.com/office/drawing/2014/main" id="{5B3E6A14-DDB2-48AF-8EEF-DEA18B4A823E}"/>
+                <a16:creationId xmlns:a16="http://schemas.microsoft.com/office/drawing/2014/main" xmlns="" id="{5B3E6A14-DDB2-48AF-8EEF-DEA18B4A823E}"/>
               </a:ext>
             </a:extLst>
           </p:cNvPr>
@@ -6273,7 +6326,7 @@
     </p:spTree>
     <p:extLst>
       <p:ext uri="{BB962C8B-B14F-4D97-AF65-F5344CB8AC3E}">
-        <p14:creationId xmlns:p14="http://schemas.microsoft.com/office/powerpoint/2010/main" val="2502215189"/>
+        <p14:creationId xmlns:p14="http://schemas.microsoft.com/office/powerpoint/2010/main" xmlns="" val="2502215189"/>
       </p:ext>
     </p:extLst>
   </p:cSld>
@@ -6305,7 +6358,7 @@
           <p:cNvPr id="2" name="Title 1">
             <a:extLst>
               <a:ext uri="{FF2B5EF4-FFF2-40B4-BE49-F238E27FC236}">
-                <a16:creationId xmlns:a16="http://schemas.microsoft.com/office/drawing/2014/main" id="{DAACD88E-1430-4C76-B2F9-9D9138A552BB}"/>
+                <a16:creationId xmlns:a16="http://schemas.microsoft.com/office/drawing/2014/main" xmlns="" id="{DAACD88E-1430-4C76-B2F9-9D9138A552BB}"/>
               </a:ext>
             </a:extLst>
           </p:cNvPr>
@@ -6340,18 +6393,38 @@
             <a:br>
               <a:rPr lang="en-IN" sz="2400" dirty="0"/>
             </a:br>
+            <a:r>
+              <a:rPr lang="en-IN" sz="2400" dirty="0"/>
+              <a:t/>
+            </a:r>
             <a:br>
               <a:rPr lang="en-IN" sz="2400" dirty="0"/>
             </a:br>
+            <a:r>
+              <a:rPr lang="en-IN" sz="2400" dirty="0"/>
+              <a:t/>
+            </a:r>
             <a:br>
               <a:rPr lang="en-IN" sz="2400" dirty="0"/>
             </a:br>
+            <a:r>
+              <a:rPr lang="en-IN" sz="2400" dirty="0"/>
+              <a:t/>
+            </a:r>
             <a:br>
               <a:rPr lang="en-IN" sz="2400" dirty="0"/>
             </a:br>
+            <a:r>
+              <a:rPr lang="en-IN" sz="2400" dirty="0"/>
+              <a:t/>
+            </a:r>
             <a:br>
               <a:rPr lang="en-IN" sz="2400" dirty="0"/>
             </a:br>
+            <a:r>
+              <a:rPr lang="en-IN" sz="2400" dirty="0"/>
+              <a:t/>
+            </a:r>
             <a:br>
               <a:rPr lang="en-IN" sz="2400" dirty="0"/>
             </a:br>
@@ -6374,7 +6447,7 @@
           <p:cNvPr id="3" name="Content Placeholder 2">
             <a:extLst>
               <a:ext uri="{FF2B5EF4-FFF2-40B4-BE49-F238E27FC236}">
-                <a16:creationId xmlns:a16="http://schemas.microsoft.com/office/drawing/2014/main" id="{DEC472E1-9494-4FE1-A61B-0C4122637A22}"/>
+                <a16:creationId xmlns:a16="http://schemas.microsoft.com/office/drawing/2014/main" xmlns="" id="{DEC472E1-9494-4FE1-A61B-0C4122637A22}"/>
               </a:ext>
             </a:extLst>
           </p:cNvPr>
@@ -6406,7 +6479,7 @@
           <p:cNvPr id="4" name="Picture 3">
             <a:extLst>
               <a:ext uri="{FF2B5EF4-FFF2-40B4-BE49-F238E27FC236}">
-                <a16:creationId xmlns:a16="http://schemas.microsoft.com/office/drawing/2014/main" id="{0C0E483A-254F-4D29-B3D6-9BDE5DD92BB0}"/>
+                <a16:creationId xmlns:a16="http://schemas.microsoft.com/office/drawing/2014/main" xmlns="" id="{0C0E483A-254F-4D29-B3D6-9BDE5DD92BB0}"/>
               </a:ext>
             </a:extLst>
           </p:cNvPr>
@@ -6434,7 +6507,7 @@
     </p:spTree>
     <p:extLst>
       <p:ext uri="{BB962C8B-B14F-4D97-AF65-F5344CB8AC3E}">
-        <p14:creationId xmlns:p14="http://schemas.microsoft.com/office/powerpoint/2010/main" val="2107884276"/>
+        <p14:creationId xmlns:p14="http://schemas.microsoft.com/office/powerpoint/2010/main" xmlns="" val="2107884276"/>
       </p:ext>
     </p:extLst>
   </p:cSld>
@@ -6466,7 +6539,7 @@
           <p:cNvPr id="2" name="Title 1">
             <a:extLst>
               <a:ext uri="{FF2B5EF4-FFF2-40B4-BE49-F238E27FC236}">
-                <a16:creationId xmlns:a16="http://schemas.microsoft.com/office/drawing/2014/main" id="{EF4406DE-8968-4017-8BDA-B5FC32B71A5E}"/>
+                <a16:creationId xmlns:a16="http://schemas.microsoft.com/office/drawing/2014/main" xmlns="" id="{EF4406DE-8968-4017-8BDA-B5FC32B71A5E}"/>
               </a:ext>
             </a:extLst>
           </p:cNvPr>
@@ -6513,7 +6586,7 @@
           <p:cNvPr id="3" name="Content Placeholder 2">
             <a:extLst>
               <a:ext uri="{FF2B5EF4-FFF2-40B4-BE49-F238E27FC236}">
-                <a16:creationId xmlns:a16="http://schemas.microsoft.com/office/drawing/2014/main" id="{D9358EC2-2EB8-47BF-A05F-5AA902A3BFC3}"/>
+                <a16:creationId xmlns:a16="http://schemas.microsoft.com/office/drawing/2014/main" xmlns="" id="{D9358EC2-2EB8-47BF-A05F-5AA902A3BFC3}"/>
               </a:ext>
             </a:extLst>
           </p:cNvPr>
@@ -6638,7 +6711,7 @@
     </p:spTree>
     <p:extLst>
       <p:ext uri="{BB962C8B-B14F-4D97-AF65-F5344CB8AC3E}">
-        <p14:creationId xmlns:p14="http://schemas.microsoft.com/office/powerpoint/2010/main" val="375875881"/>
+        <p14:creationId xmlns:p14="http://schemas.microsoft.com/office/powerpoint/2010/main" xmlns="" val="375875881"/>
       </p:ext>
     </p:extLst>
   </p:cSld>
@@ -6670,7 +6743,7 @@
           <p:cNvPr id="2" name="Title 1">
             <a:extLst>
               <a:ext uri="{FF2B5EF4-FFF2-40B4-BE49-F238E27FC236}">
-                <a16:creationId xmlns:a16="http://schemas.microsoft.com/office/drawing/2014/main" id="{D8F3E1C5-EB0E-4D8F-A498-F8C5E8D081BF}"/>
+                <a16:creationId xmlns:a16="http://schemas.microsoft.com/office/drawing/2014/main" xmlns="" id="{D8F3E1C5-EB0E-4D8F-A498-F8C5E8D081BF}"/>
               </a:ext>
             </a:extLst>
           </p:cNvPr>
@@ -6705,18 +6778,38 @@
             <a:br>
               <a:rPr lang="en-IN" sz="2400" dirty="0"/>
             </a:br>
+            <a:r>
+              <a:rPr lang="en-IN" sz="2400" dirty="0"/>
+              <a:t/>
+            </a:r>
             <a:br>
               <a:rPr lang="en-IN" sz="2400" dirty="0"/>
             </a:br>
+            <a:r>
+              <a:rPr lang="en-IN" sz="2400" dirty="0"/>
+              <a:t/>
+            </a:r>
             <a:br>
               <a:rPr lang="en-IN" sz="2400" dirty="0"/>
             </a:br>
+            <a:r>
+              <a:rPr lang="en-IN" sz="2400" dirty="0"/>
+              <a:t/>
+            </a:r>
             <a:br>
               <a:rPr lang="en-IN" sz="2400" dirty="0"/>
             </a:br>
+            <a:r>
+              <a:rPr lang="en-IN" sz="2400" dirty="0"/>
+              <a:t/>
+            </a:r>
             <a:br>
               <a:rPr lang="en-IN" sz="2400" dirty="0"/>
             </a:br>
+            <a:r>
+              <a:rPr lang="en-IN" sz="2400" dirty="0"/>
+              <a:t/>
+            </a:r>
             <a:br>
               <a:rPr lang="en-IN" sz="2400" dirty="0"/>
             </a:br>
@@ -6746,7 +6839,7 @@
           <p:cNvPr id="7" name="Picture 6">
             <a:extLst>
               <a:ext uri="{FF2B5EF4-FFF2-40B4-BE49-F238E27FC236}">
-                <a16:creationId xmlns:a16="http://schemas.microsoft.com/office/drawing/2014/main" id="{E22CCF3E-9BCA-472D-98ED-0FB368D5ADE9}"/>
+                <a16:creationId xmlns:a16="http://schemas.microsoft.com/office/drawing/2014/main" xmlns="" id="{E22CCF3E-9BCA-472D-98ED-0FB368D5ADE9}"/>
               </a:ext>
             </a:extLst>
           </p:cNvPr>
@@ -6776,7 +6869,7 @@
           <p:cNvPr id="9" name="Content Placeholder 8">
             <a:extLst>
               <a:ext uri="{FF2B5EF4-FFF2-40B4-BE49-F238E27FC236}">
-                <a16:creationId xmlns:a16="http://schemas.microsoft.com/office/drawing/2014/main" id="{FA90BE5A-201D-4E61-930F-23E5C87EF5D8}"/>
+                <a16:creationId xmlns:a16="http://schemas.microsoft.com/office/drawing/2014/main" xmlns="" id="{FA90BE5A-201D-4E61-930F-23E5C87EF5D8}"/>
               </a:ext>
             </a:extLst>
           </p:cNvPr>
@@ -6804,7 +6897,7 @@
     </p:spTree>
     <p:extLst>
       <p:ext uri="{BB962C8B-B14F-4D97-AF65-F5344CB8AC3E}">
-        <p14:creationId xmlns:p14="http://schemas.microsoft.com/office/powerpoint/2010/main" val="984842554"/>
+        <p14:creationId xmlns:p14="http://schemas.microsoft.com/office/powerpoint/2010/main" xmlns="" val="984842554"/>
       </p:ext>
     </p:extLst>
   </p:cSld>
@@ -6836,7 +6929,7 @@
           <p:cNvPr id="2" name="Title 1">
             <a:extLst>
               <a:ext uri="{FF2B5EF4-FFF2-40B4-BE49-F238E27FC236}">
-                <a16:creationId xmlns:a16="http://schemas.microsoft.com/office/drawing/2014/main" id="{403493C8-0305-42FC-ABB6-B5DB9B5DFFA3}"/>
+                <a16:creationId xmlns:a16="http://schemas.microsoft.com/office/drawing/2014/main" xmlns="" id="{403493C8-0305-42FC-ABB6-B5DB9B5DFFA3}"/>
               </a:ext>
             </a:extLst>
           </p:cNvPr>
@@ -6869,7 +6962,7 @@
           <p:cNvPr id="3" name="Content Placeholder 2">
             <a:extLst>
               <a:ext uri="{FF2B5EF4-FFF2-40B4-BE49-F238E27FC236}">
-                <a16:creationId xmlns:a16="http://schemas.microsoft.com/office/drawing/2014/main" id="{574CC883-0B7E-4A19-85DA-65A9DF7E767B}"/>
+                <a16:creationId xmlns:a16="http://schemas.microsoft.com/office/drawing/2014/main" xmlns="" id="{574CC883-0B7E-4A19-85DA-65A9DF7E767B}"/>
               </a:ext>
             </a:extLst>
           </p:cNvPr>
@@ -6899,7 +6992,7 @@
     </p:spTree>
     <p:extLst>
       <p:ext uri="{BB962C8B-B14F-4D97-AF65-F5344CB8AC3E}">
-        <p14:creationId xmlns:p14="http://schemas.microsoft.com/office/powerpoint/2010/main" val="4114297474"/>
+        <p14:creationId xmlns:p14="http://schemas.microsoft.com/office/powerpoint/2010/main" xmlns="" val="4114297474"/>
       </p:ext>
     </p:extLst>
   </p:cSld>
@@ -6931,7 +7024,7 @@
           <p:cNvPr id="2" name="Title 1">
             <a:extLst>
               <a:ext uri="{FF2B5EF4-FFF2-40B4-BE49-F238E27FC236}">
-                <a16:creationId xmlns:a16="http://schemas.microsoft.com/office/drawing/2014/main" id="{18E9F307-D647-451C-B5FD-44E96002AFE3}"/>
+                <a16:creationId xmlns:a16="http://schemas.microsoft.com/office/drawing/2014/main" xmlns="" id="{18E9F307-D647-451C-B5FD-44E96002AFE3}"/>
               </a:ext>
             </a:extLst>
           </p:cNvPr>
@@ -6968,7 +7061,7 @@
           <p:cNvPr id="3" name="Content Placeholder 2">
             <a:extLst>
               <a:ext uri="{FF2B5EF4-FFF2-40B4-BE49-F238E27FC236}">
-                <a16:creationId xmlns:a16="http://schemas.microsoft.com/office/drawing/2014/main" id="{DCC9F833-C5A0-44FC-9B84-E3D4DC13FAD5}"/>
+                <a16:creationId xmlns:a16="http://schemas.microsoft.com/office/drawing/2014/main" xmlns="" id="{DCC9F833-C5A0-44FC-9B84-E3D4DC13FAD5}"/>
               </a:ext>
             </a:extLst>
           </p:cNvPr>
@@ -7045,7 +7138,7 @@
     </p:spTree>
     <p:extLst>
       <p:ext uri="{BB962C8B-B14F-4D97-AF65-F5344CB8AC3E}">
-        <p14:creationId xmlns:p14="http://schemas.microsoft.com/office/powerpoint/2010/main" val="4215339254"/>
+        <p14:creationId xmlns:p14="http://schemas.microsoft.com/office/powerpoint/2010/main" xmlns="" val="4215339254"/>
       </p:ext>
     </p:extLst>
   </p:cSld>
@@ -7077,7 +7170,7 @@
           <p:cNvPr id="2" name="Title 1">
             <a:extLst>
               <a:ext uri="{FF2B5EF4-FFF2-40B4-BE49-F238E27FC236}">
-                <a16:creationId xmlns:a16="http://schemas.microsoft.com/office/drawing/2014/main" id="{2B28C463-FB1B-4699-8CF3-033944F2B99B}"/>
+                <a16:creationId xmlns:a16="http://schemas.microsoft.com/office/drawing/2014/main" xmlns="" id="{2B28C463-FB1B-4699-8CF3-033944F2B99B}"/>
               </a:ext>
             </a:extLst>
           </p:cNvPr>
@@ -7124,7 +7217,7 @@
           <p:cNvPr id="3" name="Content Placeholder 2">
             <a:extLst>
               <a:ext uri="{FF2B5EF4-FFF2-40B4-BE49-F238E27FC236}">
-                <a16:creationId xmlns:a16="http://schemas.microsoft.com/office/drawing/2014/main" id="{E04136FC-5291-456D-93CF-02C810A16DAE}"/>
+                <a16:creationId xmlns:a16="http://schemas.microsoft.com/office/drawing/2014/main" xmlns="" id="{E04136FC-5291-456D-93CF-02C810A16DAE}"/>
               </a:ext>
             </a:extLst>
           </p:cNvPr>
@@ -7213,7 +7306,7 @@
     </p:spTree>
     <p:extLst>
       <p:ext uri="{BB962C8B-B14F-4D97-AF65-F5344CB8AC3E}">
-        <p14:creationId xmlns:p14="http://schemas.microsoft.com/office/powerpoint/2010/main" val="876421581"/>
+        <p14:creationId xmlns:p14="http://schemas.microsoft.com/office/powerpoint/2010/main" xmlns="" val="876421581"/>
       </p:ext>
     </p:extLst>
   </p:cSld>
@@ -7245,7 +7338,7 @@
           <p:cNvPr id="2" name="Title 1">
             <a:extLst>
               <a:ext uri="{FF2B5EF4-FFF2-40B4-BE49-F238E27FC236}">
-                <a16:creationId xmlns:a16="http://schemas.microsoft.com/office/drawing/2014/main" id="{4136BE8D-BDF0-433B-A49B-E30731372E15}"/>
+                <a16:creationId xmlns:a16="http://schemas.microsoft.com/office/drawing/2014/main" xmlns="" id="{4136BE8D-BDF0-433B-A49B-E30731372E15}"/>
               </a:ext>
             </a:extLst>
           </p:cNvPr>
@@ -7291,6 +7384,10 @@
             <a:br>
               <a:rPr lang="en-IN" sz="2400" dirty="0"/>
             </a:br>
+            <a:r>
+              <a:rPr lang="en-IN" sz="2400" dirty="0"/>
+              <a:t/>
+            </a:r>
             <a:br>
               <a:rPr lang="en-IN" sz="2400" dirty="0"/>
             </a:br>
@@ -7308,12 +7405,24 @@
             <a:br>
               <a:rPr lang="en-IN" sz="2400" dirty="0"/>
             </a:br>
+            <a:r>
+              <a:rPr lang="en-IN" sz="2400" dirty="0"/>
+              <a:t/>
+            </a:r>
             <a:br>
               <a:rPr lang="en-IN" sz="2400" dirty="0"/>
             </a:br>
+            <a:r>
+              <a:rPr lang="en-IN" sz="2400" dirty="0"/>
+              <a:t/>
+            </a:r>
             <a:br>
               <a:rPr lang="en-IN" sz="2400" dirty="0"/>
             </a:br>
+            <a:r>
+              <a:rPr lang="en-IN" sz="2400" dirty="0"/>
+              <a:t/>
+            </a:r>
             <a:br>
               <a:rPr lang="en-IN" sz="2400" dirty="0"/>
             </a:br>
@@ -7336,7 +7445,7 @@
           <p:cNvPr id="13" name="Picture 12">
             <a:extLst>
               <a:ext uri="{FF2B5EF4-FFF2-40B4-BE49-F238E27FC236}">
-                <a16:creationId xmlns:a16="http://schemas.microsoft.com/office/drawing/2014/main" id="{EC3EE627-5C5C-4657-9267-352DB9F8D41C}"/>
+                <a16:creationId xmlns:a16="http://schemas.microsoft.com/office/drawing/2014/main" xmlns="" id="{EC3EE627-5C5C-4657-9267-352DB9F8D41C}"/>
               </a:ext>
             </a:extLst>
           </p:cNvPr>
@@ -7366,7 +7475,7 @@
           <p:cNvPr id="15" name="Content Placeholder 14">
             <a:extLst>
               <a:ext uri="{FF2B5EF4-FFF2-40B4-BE49-F238E27FC236}">
-                <a16:creationId xmlns:a16="http://schemas.microsoft.com/office/drawing/2014/main" id="{2F6A7869-AB8A-44A6-A204-8F49F1C535E0}"/>
+                <a16:creationId xmlns:a16="http://schemas.microsoft.com/office/drawing/2014/main" xmlns="" id="{2F6A7869-AB8A-44A6-A204-8F49F1C535E0}"/>
               </a:ext>
             </a:extLst>
           </p:cNvPr>
@@ -7396,7 +7505,7 @@
     </p:spTree>
     <p:extLst>
       <p:ext uri="{BB962C8B-B14F-4D97-AF65-F5344CB8AC3E}">
-        <p14:creationId xmlns:p14="http://schemas.microsoft.com/office/powerpoint/2010/main" val="3366932079"/>
+        <p14:creationId xmlns:p14="http://schemas.microsoft.com/office/powerpoint/2010/main" xmlns="" val="3366932079"/>
       </p:ext>
     </p:extLst>
   </p:cSld>
@@ -7428,7 +7537,7 @@
           <p:cNvPr id="2" name="Title 1">
             <a:extLst>
               <a:ext uri="{FF2B5EF4-FFF2-40B4-BE49-F238E27FC236}">
-                <a16:creationId xmlns:a16="http://schemas.microsoft.com/office/drawing/2014/main" id="{0214D3CD-930B-4254-8F42-E567F895AAF5}"/>
+                <a16:creationId xmlns:a16="http://schemas.microsoft.com/office/drawing/2014/main" xmlns="" id="{0214D3CD-930B-4254-8F42-E567F895AAF5}"/>
               </a:ext>
             </a:extLst>
           </p:cNvPr>
@@ -7470,7 +7579,7 @@
           <p:cNvPr id="3" name="Content Placeholder 2">
             <a:extLst>
               <a:ext uri="{FF2B5EF4-FFF2-40B4-BE49-F238E27FC236}">
-                <a16:creationId xmlns:a16="http://schemas.microsoft.com/office/drawing/2014/main" id="{ED8D29FA-0C0E-438A-B614-A13C0DB18B56}"/>
+                <a16:creationId xmlns:a16="http://schemas.microsoft.com/office/drawing/2014/main" xmlns="" id="{ED8D29FA-0C0E-438A-B614-A13C0DB18B56}"/>
               </a:ext>
             </a:extLst>
           </p:cNvPr>
@@ -7566,7 +7675,7 @@
     </p:spTree>
     <p:extLst>
       <p:ext uri="{BB962C8B-B14F-4D97-AF65-F5344CB8AC3E}">
-        <p14:creationId xmlns:p14="http://schemas.microsoft.com/office/powerpoint/2010/main" val="2973742557"/>
+        <p14:creationId xmlns:p14="http://schemas.microsoft.com/office/powerpoint/2010/main" xmlns="" val="2973742557"/>
       </p:ext>
     </p:extLst>
   </p:cSld>
@@ -7598,7 +7707,7 @@
           <p:cNvPr id="2" name="Title 1">
             <a:extLst>
               <a:ext uri="{FF2B5EF4-FFF2-40B4-BE49-F238E27FC236}">
-                <a16:creationId xmlns:a16="http://schemas.microsoft.com/office/drawing/2014/main" id="{21FAE06C-589F-4E31-AFDE-A69FBA2440FF}"/>
+                <a16:creationId xmlns:a16="http://schemas.microsoft.com/office/drawing/2014/main" xmlns="" id="{21FAE06C-589F-4E31-AFDE-A69FBA2440FF}"/>
               </a:ext>
             </a:extLst>
           </p:cNvPr>
@@ -7633,27 +7742,59 @@
             <a:br>
               <a:rPr lang="en-IN" sz="2400" dirty="0"/>
             </a:br>
+            <a:r>
+              <a:rPr lang="en-IN" sz="2400" dirty="0"/>
+              <a:t/>
+            </a:r>
             <a:br>
               <a:rPr lang="en-IN" sz="2400" dirty="0"/>
             </a:br>
+            <a:r>
+              <a:rPr lang="en-IN" sz="2400" dirty="0"/>
+              <a:t/>
+            </a:r>
             <a:br>
               <a:rPr lang="en-IN" sz="2400" dirty="0"/>
             </a:br>
+            <a:r>
+              <a:rPr lang="en-IN" sz="2400" dirty="0"/>
+              <a:t/>
+            </a:r>
             <a:br>
               <a:rPr lang="en-IN" sz="2400" dirty="0"/>
             </a:br>
+            <a:r>
+              <a:rPr lang="en-IN" sz="2400" dirty="0"/>
+              <a:t/>
+            </a:r>
             <a:br>
               <a:rPr lang="en-IN" sz="2400" dirty="0"/>
             </a:br>
+            <a:r>
+              <a:rPr lang="en-IN" sz="2400" dirty="0"/>
+              <a:t/>
+            </a:r>
             <a:br>
               <a:rPr lang="en-IN" sz="2400" dirty="0"/>
             </a:br>
+            <a:r>
+              <a:rPr lang="en-IN" sz="2400" dirty="0"/>
+              <a:t/>
+            </a:r>
             <a:br>
               <a:rPr lang="en-IN" sz="2400" dirty="0"/>
             </a:br>
+            <a:r>
+              <a:rPr lang="en-IN" sz="2400" dirty="0"/>
+              <a:t/>
+            </a:r>
             <a:br>
               <a:rPr lang="en-IN" sz="2400" dirty="0"/>
             </a:br>
+            <a:r>
+              <a:rPr lang="en-IN" sz="2400" dirty="0"/>
+              <a:t/>
+            </a:r>
             <a:br>
               <a:rPr lang="en-IN" sz="2400" dirty="0"/>
             </a:br>
@@ -7690,7 +7831,7 @@
           <p:cNvPr id="8" name="Picture 7">
             <a:extLst>
               <a:ext uri="{FF2B5EF4-FFF2-40B4-BE49-F238E27FC236}">
-                <a16:creationId xmlns:a16="http://schemas.microsoft.com/office/drawing/2014/main" id="{B0CD511F-4995-4B06-9C36-23F66B258200}"/>
+                <a16:creationId xmlns:a16="http://schemas.microsoft.com/office/drawing/2014/main" xmlns="" id="{B0CD511F-4995-4B06-9C36-23F66B258200}"/>
               </a:ext>
             </a:extLst>
           </p:cNvPr>
@@ -7720,7 +7861,7 @@
           <p:cNvPr id="10" name="Content Placeholder 9">
             <a:extLst>
               <a:ext uri="{FF2B5EF4-FFF2-40B4-BE49-F238E27FC236}">
-                <a16:creationId xmlns:a16="http://schemas.microsoft.com/office/drawing/2014/main" id="{9305AC5F-F1D6-41C7-83AA-1BA0F613551F}"/>
+                <a16:creationId xmlns:a16="http://schemas.microsoft.com/office/drawing/2014/main" xmlns="" id="{9305AC5F-F1D6-41C7-83AA-1BA0F613551F}"/>
               </a:ext>
             </a:extLst>
           </p:cNvPr>
@@ -7750,7 +7891,7 @@
     </p:spTree>
     <p:extLst>
       <p:ext uri="{BB962C8B-B14F-4D97-AF65-F5344CB8AC3E}">
-        <p14:creationId xmlns:p14="http://schemas.microsoft.com/office/powerpoint/2010/main" val="2546922121"/>
+        <p14:creationId xmlns:p14="http://schemas.microsoft.com/office/powerpoint/2010/main" xmlns="" val="2546922121"/>
       </p:ext>
     </p:extLst>
   </p:cSld>
@@ -7782,7 +7923,7 @@
           <p:cNvPr id="2" name="Title 1">
             <a:extLst>
               <a:ext uri="{FF2B5EF4-FFF2-40B4-BE49-F238E27FC236}">
-                <a16:creationId xmlns:a16="http://schemas.microsoft.com/office/drawing/2014/main" id="{42FF6485-F3FF-4D06-8DE4-2E570F084371}"/>
+                <a16:creationId xmlns:a16="http://schemas.microsoft.com/office/drawing/2014/main" xmlns="" id="{42FF6485-F3FF-4D06-8DE4-2E570F084371}"/>
               </a:ext>
             </a:extLst>
           </p:cNvPr>
@@ -7824,7 +7965,7 @@
           <p:cNvPr id="3" name="Content Placeholder 2">
             <a:extLst>
               <a:ext uri="{FF2B5EF4-FFF2-40B4-BE49-F238E27FC236}">
-                <a16:creationId xmlns:a16="http://schemas.microsoft.com/office/drawing/2014/main" id="{E2A48E5E-83E8-4330-9B4E-077924F1C581}"/>
+                <a16:creationId xmlns:a16="http://schemas.microsoft.com/office/drawing/2014/main" xmlns="" id="{E2A48E5E-83E8-4330-9B4E-077924F1C581}"/>
               </a:ext>
             </a:extLst>
           </p:cNvPr>
@@ -7929,7 +8070,7 @@
     </p:spTree>
     <p:extLst>
       <p:ext uri="{BB962C8B-B14F-4D97-AF65-F5344CB8AC3E}">
-        <p14:creationId xmlns:p14="http://schemas.microsoft.com/office/powerpoint/2010/main" val="1879979840"/>
+        <p14:creationId xmlns:p14="http://schemas.microsoft.com/office/powerpoint/2010/main" xmlns="" val="1879979840"/>
       </p:ext>
     </p:extLst>
   </p:cSld>
@@ -7961,7 +8102,7 @@
           <p:cNvPr id="2" name="Title 1">
             <a:extLst>
               <a:ext uri="{FF2B5EF4-FFF2-40B4-BE49-F238E27FC236}">
-                <a16:creationId xmlns:a16="http://schemas.microsoft.com/office/drawing/2014/main" id="{7552BDB1-5D31-4915-A11D-A54313A4123E}"/>
+                <a16:creationId xmlns:a16="http://schemas.microsoft.com/office/drawing/2014/main" xmlns="" id="{7552BDB1-5D31-4915-A11D-A54313A4123E}"/>
               </a:ext>
             </a:extLst>
           </p:cNvPr>
@@ -7996,27 +8137,59 @@
             <a:br>
               <a:rPr lang="en-IN" sz="2400" dirty="0"/>
             </a:br>
+            <a:r>
+              <a:rPr lang="en-IN" sz="2400" dirty="0"/>
+              <a:t/>
+            </a:r>
             <a:br>
               <a:rPr lang="en-IN" sz="2400" dirty="0"/>
             </a:br>
+            <a:r>
+              <a:rPr lang="en-IN" sz="2400" dirty="0"/>
+              <a:t/>
+            </a:r>
             <a:br>
               <a:rPr lang="en-IN" sz="2400" dirty="0"/>
             </a:br>
+            <a:r>
+              <a:rPr lang="en-IN" sz="2400" dirty="0"/>
+              <a:t/>
+            </a:r>
             <a:br>
               <a:rPr lang="en-IN" sz="2400" dirty="0"/>
             </a:br>
+            <a:r>
+              <a:rPr lang="en-IN" sz="2400" dirty="0"/>
+              <a:t/>
+            </a:r>
             <a:br>
               <a:rPr lang="en-IN" sz="2400" dirty="0"/>
             </a:br>
+            <a:r>
+              <a:rPr lang="en-IN" sz="2400" dirty="0"/>
+              <a:t/>
+            </a:r>
             <a:br>
               <a:rPr lang="en-IN" sz="2400" dirty="0"/>
             </a:br>
+            <a:r>
+              <a:rPr lang="en-IN" sz="2400" dirty="0"/>
+              <a:t/>
+            </a:r>
             <a:br>
               <a:rPr lang="en-IN" sz="2400" dirty="0"/>
             </a:br>
+            <a:r>
+              <a:rPr lang="en-IN" sz="2400" dirty="0"/>
+              <a:t/>
+            </a:r>
             <a:br>
               <a:rPr lang="en-IN" sz="2400" dirty="0"/>
             </a:br>
+            <a:r>
+              <a:rPr lang="en-IN" sz="2400" dirty="0"/>
+              <a:t/>
+            </a:r>
             <a:br>
               <a:rPr lang="en-IN" sz="2400" dirty="0"/>
             </a:br>
@@ -8054,7 +8227,7 @@
           <p:cNvPr id="7" name="Picture 6">
             <a:extLst>
               <a:ext uri="{FF2B5EF4-FFF2-40B4-BE49-F238E27FC236}">
-                <a16:creationId xmlns:a16="http://schemas.microsoft.com/office/drawing/2014/main" id="{5C94B1DD-DE1C-4D9C-8742-A50C45391EFA}"/>
+                <a16:creationId xmlns:a16="http://schemas.microsoft.com/office/drawing/2014/main" xmlns="" id="{5C94B1DD-DE1C-4D9C-8742-A50C45391EFA}"/>
               </a:ext>
             </a:extLst>
           </p:cNvPr>
@@ -8084,7 +8257,7 @@
           <p:cNvPr id="9" name="Content Placeholder 8">
             <a:extLst>
               <a:ext uri="{FF2B5EF4-FFF2-40B4-BE49-F238E27FC236}">
-                <a16:creationId xmlns:a16="http://schemas.microsoft.com/office/drawing/2014/main" id="{32EADCE2-4C61-4261-B89B-3257FE727FB8}"/>
+                <a16:creationId xmlns:a16="http://schemas.microsoft.com/office/drawing/2014/main" xmlns="" id="{32EADCE2-4C61-4261-B89B-3257FE727FB8}"/>
               </a:ext>
             </a:extLst>
           </p:cNvPr>
@@ -8114,7 +8287,7 @@
     </p:spTree>
     <p:extLst>
       <p:ext uri="{BB962C8B-B14F-4D97-AF65-F5344CB8AC3E}">
-        <p14:creationId xmlns:p14="http://schemas.microsoft.com/office/powerpoint/2010/main" val="346672953"/>
+        <p14:creationId xmlns:p14="http://schemas.microsoft.com/office/powerpoint/2010/main" xmlns="" val="346672953"/>
       </p:ext>
     </p:extLst>
   </p:cSld>
@@ -8146,7 +8319,7 @@
           <p:cNvPr id="2" name="Title 1">
             <a:extLst>
               <a:ext uri="{FF2B5EF4-FFF2-40B4-BE49-F238E27FC236}">
-                <a16:creationId xmlns:a16="http://schemas.microsoft.com/office/drawing/2014/main" id="{CA5E86E4-DFDD-415F-8264-C7C23533B9EE}"/>
+                <a16:creationId xmlns:a16="http://schemas.microsoft.com/office/drawing/2014/main" xmlns="" id="{CA5E86E4-DFDD-415F-8264-C7C23533B9EE}"/>
               </a:ext>
             </a:extLst>
           </p:cNvPr>
@@ -8193,7 +8366,7 @@
           <p:cNvPr id="3" name="Content Placeholder 2">
             <a:extLst>
               <a:ext uri="{FF2B5EF4-FFF2-40B4-BE49-F238E27FC236}">
-                <a16:creationId xmlns:a16="http://schemas.microsoft.com/office/drawing/2014/main" id="{6DADDF66-6403-44F6-A66B-C6EE9B0C069B}"/>
+                <a16:creationId xmlns:a16="http://schemas.microsoft.com/office/drawing/2014/main" xmlns="" id="{6DADDF66-6403-44F6-A66B-C6EE9B0C069B}"/>
               </a:ext>
             </a:extLst>
           </p:cNvPr>
@@ -8319,7 +8492,7 @@
     </p:spTree>
     <p:extLst>
       <p:ext uri="{BB962C8B-B14F-4D97-AF65-F5344CB8AC3E}">
-        <p14:creationId xmlns:p14="http://schemas.microsoft.com/office/powerpoint/2010/main" val="59622117"/>
+        <p14:creationId xmlns:p14="http://schemas.microsoft.com/office/powerpoint/2010/main" xmlns="" val="59622117"/>
       </p:ext>
     </p:extLst>
   </p:cSld>
@@ -8372,7 +8545,7 @@
     </a:clrScheme>
     <a:fontScheme name="Ion">
       <a:majorFont>
-        <a:latin typeface="Century Gothic" panose="020B0502020202020204"/>
+        <a:latin typeface="Century Gothic"/>
         <a:ea typeface=""/>
         <a:cs typeface=""/>
         <a:font script="Jpan" typeface="メイリオ"/>
@@ -8407,7 +8580,7 @@
         <a:font script="Geor" typeface="Sylfaen"/>
       </a:majorFont>
       <a:minorFont>
-        <a:latin typeface="Century Gothic" panose="020B0502020202020204"/>
+        <a:latin typeface="Century Gothic"/>
         <a:ea typeface=""/>
         <a:cs typeface=""/>
         <a:font script="Jpan" typeface="メイリオ"/>
@@ -8587,7 +8760,7 @@
   <a:extraClrSchemeLst/>
   <a:extLst>
     <a:ext uri="{05A4C25C-085E-4340-85A3-A5531E510DB2}">
-      <thm15:themeFamily xmlns:thm15="http://schemas.microsoft.com/office/thememl/2012/main" name="Ion" id="{B8441ADB-2E43-4AF7-B97A-BD870242C6A8}" vid="{A207AED3-9ABC-4A18-9978-A59B65688B15}"/>
+      <thm15:themeFamily xmlns:thm15="http://schemas.microsoft.com/office/thememl/2012/main" xmlns="" name="Ion" id="{B8441ADB-2E43-4AF7-B97A-BD870242C6A8}" vid="{A207AED3-9ABC-4A18-9978-A59B65688B15}"/>
     </a:ext>
   </a:extLst>
 </a:theme>
